--- a/Working with SQL/Math Function.pptx
+++ b/Working with SQL/Math Function.pptx
@@ -10,6 +10,8 @@
     <p:sldId id="258" r:id="rId4"/>
     <p:sldId id="259" r:id="rId5"/>
     <p:sldId id="260" r:id="rId6"/>
+    <p:sldId id="261" r:id="rId7"/>
+    <p:sldId id="262" r:id="rId8"/>
   </p:sldIdLst>
   <p:sldSz cx="12192000" cy="6858000"/>
   <p:notesSz cx="6858000" cy="9144000"/>
@@ -263,7 +265,7 @@
           <a:p>
             <a:fld id="{DE2C5E95-7DE1-46DD-BFC6-4D3310A1AC10}" type="datetimeFigureOut">
               <a:rPr lang="en-US" smtClean="0"/>
-              <a:t>2/14/2023</a:t>
+              <a:t>2/18/2023</a:t>
             </a:fld>
             <a:endParaRPr lang="en-US"/>
           </a:p>
@@ -461,7 +463,7 @@
           <a:p>
             <a:fld id="{DE2C5E95-7DE1-46DD-BFC6-4D3310A1AC10}" type="datetimeFigureOut">
               <a:rPr lang="en-US" smtClean="0"/>
-              <a:t>2/14/2023</a:t>
+              <a:t>2/18/2023</a:t>
             </a:fld>
             <a:endParaRPr lang="en-US"/>
           </a:p>
@@ -669,7 +671,7 @@
           <a:p>
             <a:fld id="{DE2C5E95-7DE1-46DD-BFC6-4D3310A1AC10}" type="datetimeFigureOut">
               <a:rPr lang="en-US" smtClean="0"/>
-              <a:t>2/14/2023</a:t>
+              <a:t>2/18/2023</a:t>
             </a:fld>
             <a:endParaRPr lang="en-US"/>
           </a:p>
@@ -867,7 +869,7 @@
           <a:p>
             <a:fld id="{DE2C5E95-7DE1-46DD-BFC6-4D3310A1AC10}" type="datetimeFigureOut">
               <a:rPr lang="en-US" smtClean="0"/>
-              <a:t>2/14/2023</a:t>
+              <a:t>2/18/2023</a:t>
             </a:fld>
             <a:endParaRPr lang="en-US"/>
           </a:p>
@@ -1142,7 +1144,7 @@
           <a:p>
             <a:fld id="{DE2C5E95-7DE1-46DD-BFC6-4D3310A1AC10}" type="datetimeFigureOut">
               <a:rPr lang="en-US" smtClean="0"/>
-              <a:t>2/14/2023</a:t>
+              <a:t>2/18/2023</a:t>
             </a:fld>
             <a:endParaRPr lang="en-US"/>
           </a:p>
@@ -1407,7 +1409,7 @@
           <a:p>
             <a:fld id="{DE2C5E95-7DE1-46DD-BFC6-4D3310A1AC10}" type="datetimeFigureOut">
               <a:rPr lang="en-US" smtClean="0"/>
-              <a:t>2/14/2023</a:t>
+              <a:t>2/18/2023</a:t>
             </a:fld>
             <a:endParaRPr lang="en-US"/>
           </a:p>
@@ -1819,7 +1821,7 @@
           <a:p>
             <a:fld id="{DE2C5E95-7DE1-46DD-BFC6-4D3310A1AC10}" type="datetimeFigureOut">
               <a:rPr lang="en-US" smtClean="0"/>
-              <a:t>2/14/2023</a:t>
+              <a:t>2/18/2023</a:t>
             </a:fld>
             <a:endParaRPr lang="en-US"/>
           </a:p>
@@ -1960,7 +1962,7 @@
           <a:p>
             <a:fld id="{DE2C5E95-7DE1-46DD-BFC6-4D3310A1AC10}" type="datetimeFigureOut">
               <a:rPr lang="en-US" smtClean="0"/>
-              <a:t>2/14/2023</a:t>
+              <a:t>2/18/2023</a:t>
             </a:fld>
             <a:endParaRPr lang="en-US"/>
           </a:p>
@@ -2073,7 +2075,7 @@
           <a:p>
             <a:fld id="{DE2C5E95-7DE1-46DD-BFC6-4D3310A1AC10}" type="datetimeFigureOut">
               <a:rPr lang="en-US" smtClean="0"/>
-              <a:t>2/14/2023</a:t>
+              <a:t>2/18/2023</a:t>
             </a:fld>
             <a:endParaRPr lang="en-US"/>
           </a:p>
@@ -2384,7 +2386,7 @@
           <a:p>
             <a:fld id="{DE2C5E95-7DE1-46DD-BFC6-4D3310A1AC10}" type="datetimeFigureOut">
               <a:rPr lang="en-US" smtClean="0"/>
-              <a:t>2/14/2023</a:t>
+              <a:t>2/18/2023</a:t>
             </a:fld>
             <a:endParaRPr lang="en-US"/>
           </a:p>
@@ -2672,7 +2674,7 @@
           <a:p>
             <a:fld id="{DE2C5E95-7DE1-46DD-BFC6-4D3310A1AC10}" type="datetimeFigureOut">
               <a:rPr lang="en-US" smtClean="0"/>
-              <a:t>2/14/2023</a:t>
+              <a:t>2/18/2023</a:t>
             </a:fld>
             <a:endParaRPr lang="en-US"/>
           </a:p>
@@ -2913,7 +2915,7 @@
           <a:p>
             <a:fld id="{DE2C5E95-7DE1-46DD-BFC6-4D3310A1AC10}" type="datetimeFigureOut">
               <a:rPr lang="en-US" smtClean="0"/>
-              <a:t>2/14/2023</a:t>
+              <a:t>2/18/2023</a:t>
             </a:fld>
             <a:endParaRPr lang="en-US"/>
           </a:p>
@@ -3863,6 +3865,226 @@
 </p:sld>
 </file>
 
+<file path=ppt/slides/slide6.xml><?xml version="1.0" encoding="utf-8"?>
+<p:sld xmlns:a="http://schemas.openxmlformats.org/drawingml/2006/main" xmlns:r="http://schemas.openxmlformats.org/officeDocument/2006/relationships" xmlns:p="http://schemas.openxmlformats.org/presentationml/2006/main">
+  <p:cSld>
+    <p:spTree>
+      <p:nvGrpSpPr>
+        <p:cNvPr id="1" name=""/>
+        <p:cNvGrpSpPr/>
+        <p:nvPr/>
+      </p:nvGrpSpPr>
+      <p:grpSpPr>
+        <a:xfrm>
+          <a:off x="0" y="0"/>
+          <a:ext cx="0" cy="0"/>
+          <a:chOff x="0" y="0"/>
+          <a:chExt cx="0" cy="0"/>
+        </a:xfrm>
+      </p:grpSpPr>
+      <p:sp>
+        <p:nvSpPr>
+          <p:cNvPr id="2" name="Title 1">
+            <a:extLst>
+              <a:ext uri="{FF2B5EF4-FFF2-40B4-BE49-F238E27FC236}">
+                <a16:creationId xmlns:a16="http://schemas.microsoft.com/office/drawing/2014/main" id="{ADA1D033-5CD0-A8FB-7C72-DED5972F3F0D}"/>
+              </a:ext>
+            </a:extLst>
+          </p:cNvPr>
+          <p:cNvSpPr>
+            <a:spLocks noGrp="1"/>
+          </p:cNvSpPr>
+          <p:nvPr>
+            <p:ph type="title"/>
+          </p:nvPr>
+        </p:nvSpPr>
+        <p:spPr/>
+        <p:txBody>
+          <a:bodyPr/>
+          <a:lstStyle/>
+          <a:p>
+            <a:endParaRPr lang="en-US"/>
+          </a:p>
+        </p:txBody>
+      </p:sp>
+      <p:sp>
+        <p:nvSpPr>
+          <p:cNvPr id="3" name="Content Placeholder 2">
+            <a:extLst>
+              <a:ext uri="{FF2B5EF4-FFF2-40B4-BE49-F238E27FC236}">
+                <a16:creationId xmlns:a16="http://schemas.microsoft.com/office/drawing/2014/main" id="{906DFA44-0EF5-CB09-4862-E9D032FAE314}"/>
+              </a:ext>
+            </a:extLst>
+          </p:cNvPr>
+          <p:cNvSpPr>
+            <a:spLocks noGrp="1"/>
+          </p:cNvSpPr>
+          <p:nvPr>
+            <p:ph idx="1"/>
+          </p:nvPr>
+        </p:nvSpPr>
+        <p:spPr/>
+        <p:txBody>
+          <a:bodyPr/>
+          <a:lstStyle/>
+          <a:p>
+            <a:endParaRPr lang="en-US"/>
+          </a:p>
+        </p:txBody>
+      </p:sp>
+      <p:pic>
+        <p:nvPicPr>
+          <p:cNvPr id="5" name="Picture 4">
+            <a:extLst>
+              <a:ext uri="{FF2B5EF4-FFF2-40B4-BE49-F238E27FC236}">
+                <a16:creationId xmlns:a16="http://schemas.microsoft.com/office/drawing/2014/main" id="{4988BB78-2738-1667-0F95-EE234EEF6055}"/>
+              </a:ext>
+            </a:extLst>
+          </p:cNvPr>
+          <p:cNvPicPr>
+            <a:picLocks noChangeAspect="1"/>
+          </p:cNvPicPr>
+          <p:nvPr/>
+        </p:nvPicPr>
+        <p:blipFill>
+          <a:blip r:embed="rId2"/>
+          <a:stretch>
+            <a:fillRect/>
+          </a:stretch>
+        </p:blipFill>
+        <p:spPr>
+          <a:xfrm>
+            <a:off x="0" y="0"/>
+            <a:ext cx="12192000" cy="6858000"/>
+          </a:xfrm>
+          <a:prstGeom prst="rect">
+            <a:avLst/>
+          </a:prstGeom>
+        </p:spPr>
+      </p:pic>
+    </p:spTree>
+    <p:extLst>
+      <p:ext uri="{BB962C8B-B14F-4D97-AF65-F5344CB8AC3E}">
+        <p14:creationId xmlns:p14="http://schemas.microsoft.com/office/powerpoint/2010/main" val="1418151447"/>
+      </p:ext>
+    </p:extLst>
+  </p:cSld>
+  <p:clrMapOvr>
+    <a:masterClrMapping/>
+  </p:clrMapOvr>
+</p:sld>
+</file>
+
+<file path=ppt/slides/slide7.xml><?xml version="1.0" encoding="utf-8"?>
+<p:sld xmlns:a="http://schemas.openxmlformats.org/drawingml/2006/main" xmlns:r="http://schemas.openxmlformats.org/officeDocument/2006/relationships" xmlns:p="http://schemas.openxmlformats.org/presentationml/2006/main">
+  <p:cSld>
+    <p:spTree>
+      <p:nvGrpSpPr>
+        <p:cNvPr id="1" name=""/>
+        <p:cNvGrpSpPr/>
+        <p:nvPr/>
+      </p:nvGrpSpPr>
+      <p:grpSpPr>
+        <a:xfrm>
+          <a:off x="0" y="0"/>
+          <a:ext cx="0" cy="0"/>
+          <a:chOff x="0" y="0"/>
+          <a:chExt cx="0" cy="0"/>
+        </a:xfrm>
+      </p:grpSpPr>
+      <p:sp>
+        <p:nvSpPr>
+          <p:cNvPr id="2" name="Title 1">
+            <a:extLst>
+              <a:ext uri="{FF2B5EF4-FFF2-40B4-BE49-F238E27FC236}">
+                <a16:creationId xmlns:a16="http://schemas.microsoft.com/office/drawing/2014/main" id="{029DE4CF-4775-6205-6844-B96FC0C7FDB2}"/>
+              </a:ext>
+            </a:extLst>
+          </p:cNvPr>
+          <p:cNvSpPr>
+            <a:spLocks noGrp="1"/>
+          </p:cNvSpPr>
+          <p:nvPr>
+            <p:ph type="title"/>
+          </p:nvPr>
+        </p:nvSpPr>
+        <p:spPr/>
+        <p:txBody>
+          <a:bodyPr/>
+          <a:lstStyle/>
+          <a:p>
+            <a:endParaRPr lang="en-US"/>
+          </a:p>
+        </p:txBody>
+      </p:sp>
+      <p:sp>
+        <p:nvSpPr>
+          <p:cNvPr id="3" name="Content Placeholder 2">
+            <a:extLst>
+              <a:ext uri="{FF2B5EF4-FFF2-40B4-BE49-F238E27FC236}">
+                <a16:creationId xmlns:a16="http://schemas.microsoft.com/office/drawing/2014/main" id="{CBDC8EAF-96D9-5BA1-6F3F-379EE43425A3}"/>
+              </a:ext>
+            </a:extLst>
+          </p:cNvPr>
+          <p:cNvSpPr>
+            <a:spLocks noGrp="1"/>
+          </p:cNvSpPr>
+          <p:nvPr>
+            <p:ph idx="1"/>
+          </p:nvPr>
+        </p:nvSpPr>
+        <p:spPr/>
+        <p:txBody>
+          <a:bodyPr/>
+          <a:lstStyle/>
+          <a:p>
+            <a:endParaRPr lang="en-US"/>
+          </a:p>
+        </p:txBody>
+      </p:sp>
+      <p:pic>
+        <p:nvPicPr>
+          <p:cNvPr id="5" name="Picture 4">
+            <a:extLst>
+              <a:ext uri="{FF2B5EF4-FFF2-40B4-BE49-F238E27FC236}">
+                <a16:creationId xmlns:a16="http://schemas.microsoft.com/office/drawing/2014/main" id="{FE78129B-96E0-4ED0-B878-F88D02853061}"/>
+              </a:ext>
+            </a:extLst>
+          </p:cNvPr>
+          <p:cNvPicPr>
+            <a:picLocks noChangeAspect="1"/>
+          </p:cNvPicPr>
+          <p:nvPr/>
+        </p:nvPicPr>
+        <p:blipFill>
+          <a:blip r:embed="rId2"/>
+          <a:stretch>
+            <a:fillRect/>
+          </a:stretch>
+        </p:blipFill>
+        <p:spPr>
+          <a:xfrm>
+            <a:off x="0" y="0"/>
+            <a:ext cx="12192000" cy="6858000"/>
+          </a:xfrm>
+          <a:prstGeom prst="rect">
+            <a:avLst/>
+          </a:prstGeom>
+        </p:spPr>
+      </p:pic>
+    </p:spTree>
+    <p:extLst>
+      <p:ext uri="{BB962C8B-B14F-4D97-AF65-F5344CB8AC3E}">
+        <p14:creationId xmlns:p14="http://schemas.microsoft.com/office/powerpoint/2010/main" val="4151363801"/>
+      </p:ext>
+    </p:extLst>
+  </p:cSld>
+  <p:clrMapOvr>
+    <a:masterClrMapping/>
+  </p:clrMapOvr>
+</p:sld>
+</file>
+
 <file path=ppt/theme/theme1.xml><?xml version="1.0" encoding="utf-8"?>
 <a:theme xmlns:a="http://schemas.openxmlformats.org/drawingml/2006/main" name="Office Theme">
   <a:themeElements>

--- a/Working with SQL/Math Function.pptx
+++ b/Working with SQL/Math Function.pptx
@@ -12,6 +12,8 @@
     <p:sldId id="260" r:id="rId6"/>
     <p:sldId id="261" r:id="rId7"/>
     <p:sldId id="262" r:id="rId8"/>
+    <p:sldId id="263" r:id="rId9"/>
+    <p:sldId id="264" r:id="rId10"/>
   </p:sldIdLst>
   <p:sldSz cx="12192000" cy="6858000"/>
   <p:notesSz cx="6858000" cy="9144000"/>
@@ -265,7 +267,7 @@
           <a:p>
             <a:fld id="{DE2C5E95-7DE1-46DD-BFC6-4D3310A1AC10}" type="datetimeFigureOut">
               <a:rPr lang="en-US" smtClean="0"/>
-              <a:t>2/18/2023</a:t>
+              <a:t>2/20/2023</a:t>
             </a:fld>
             <a:endParaRPr lang="en-US"/>
           </a:p>
@@ -463,7 +465,7 @@
           <a:p>
             <a:fld id="{DE2C5E95-7DE1-46DD-BFC6-4D3310A1AC10}" type="datetimeFigureOut">
               <a:rPr lang="en-US" smtClean="0"/>
-              <a:t>2/18/2023</a:t>
+              <a:t>2/20/2023</a:t>
             </a:fld>
             <a:endParaRPr lang="en-US"/>
           </a:p>
@@ -671,7 +673,7 @@
           <a:p>
             <a:fld id="{DE2C5E95-7DE1-46DD-BFC6-4D3310A1AC10}" type="datetimeFigureOut">
               <a:rPr lang="en-US" smtClean="0"/>
-              <a:t>2/18/2023</a:t>
+              <a:t>2/20/2023</a:t>
             </a:fld>
             <a:endParaRPr lang="en-US"/>
           </a:p>
@@ -869,7 +871,7 @@
           <a:p>
             <a:fld id="{DE2C5E95-7DE1-46DD-BFC6-4D3310A1AC10}" type="datetimeFigureOut">
               <a:rPr lang="en-US" smtClean="0"/>
-              <a:t>2/18/2023</a:t>
+              <a:t>2/20/2023</a:t>
             </a:fld>
             <a:endParaRPr lang="en-US"/>
           </a:p>
@@ -1144,7 +1146,7 @@
           <a:p>
             <a:fld id="{DE2C5E95-7DE1-46DD-BFC6-4D3310A1AC10}" type="datetimeFigureOut">
               <a:rPr lang="en-US" smtClean="0"/>
-              <a:t>2/18/2023</a:t>
+              <a:t>2/20/2023</a:t>
             </a:fld>
             <a:endParaRPr lang="en-US"/>
           </a:p>
@@ -1409,7 +1411,7 @@
           <a:p>
             <a:fld id="{DE2C5E95-7DE1-46DD-BFC6-4D3310A1AC10}" type="datetimeFigureOut">
               <a:rPr lang="en-US" smtClean="0"/>
-              <a:t>2/18/2023</a:t>
+              <a:t>2/20/2023</a:t>
             </a:fld>
             <a:endParaRPr lang="en-US"/>
           </a:p>
@@ -1821,7 +1823,7 @@
           <a:p>
             <a:fld id="{DE2C5E95-7DE1-46DD-BFC6-4D3310A1AC10}" type="datetimeFigureOut">
               <a:rPr lang="en-US" smtClean="0"/>
-              <a:t>2/18/2023</a:t>
+              <a:t>2/20/2023</a:t>
             </a:fld>
             <a:endParaRPr lang="en-US"/>
           </a:p>
@@ -1962,7 +1964,7 @@
           <a:p>
             <a:fld id="{DE2C5E95-7DE1-46DD-BFC6-4D3310A1AC10}" type="datetimeFigureOut">
               <a:rPr lang="en-US" smtClean="0"/>
-              <a:t>2/18/2023</a:t>
+              <a:t>2/20/2023</a:t>
             </a:fld>
             <a:endParaRPr lang="en-US"/>
           </a:p>
@@ -2075,7 +2077,7 @@
           <a:p>
             <a:fld id="{DE2C5E95-7DE1-46DD-BFC6-4D3310A1AC10}" type="datetimeFigureOut">
               <a:rPr lang="en-US" smtClean="0"/>
-              <a:t>2/18/2023</a:t>
+              <a:t>2/20/2023</a:t>
             </a:fld>
             <a:endParaRPr lang="en-US"/>
           </a:p>
@@ -2386,7 +2388,7 @@
           <a:p>
             <a:fld id="{DE2C5E95-7DE1-46DD-BFC6-4D3310A1AC10}" type="datetimeFigureOut">
               <a:rPr lang="en-US" smtClean="0"/>
-              <a:t>2/18/2023</a:t>
+              <a:t>2/20/2023</a:t>
             </a:fld>
             <a:endParaRPr lang="en-US"/>
           </a:p>
@@ -2674,7 +2676,7 @@
           <a:p>
             <a:fld id="{DE2C5E95-7DE1-46DD-BFC6-4D3310A1AC10}" type="datetimeFigureOut">
               <a:rPr lang="en-US" smtClean="0"/>
-              <a:t>2/18/2023</a:t>
+              <a:t>2/20/2023</a:t>
             </a:fld>
             <a:endParaRPr lang="en-US"/>
           </a:p>
@@ -2915,7 +2917,7 @@
           <a:p>
             <a:fld id="{DE2C5E95-7DE1-46DD-BFC6-4D3310A1AC10}" type="datetimeFigureOut">
               <a:rPr lang="en-US" smtClean="0"/>
-              <a:t>2/18/2023</a:t>
+              <a:t>2/20/2023</a:t>
             </a:fld>
             <a:endParaRPr lang="en-US"/>
           </a:p>
@@ -4085,6 +4087,226 @@
 </p:sld>
 </file>
 
+<file path=ppt/slides/slide8.xml><?xml version="1.0" encoding="utf-8"?>
+<p:sld xmlns:a="http://schemas.openxmlformats.org/drawingml/2006/main" xmlns:r="http://schemas.openxmlformats.org/officeDocument/2006/relationships" xmlns:p="http://schemas.openxmlformats.org/presentationml/2006/main">
+  <p:cSld>
+    <p:spTree>
+      <p:nvGrpSpPr>
+        <p:cNvPr id="1" name=""/>
+        <p:cNvGrpSpPr/>
+        <p:nvPr/>
+      </p:nvGrpSpPr>
+      <p:grpSpPr>
+        <a:xfrm>
+          <a:off x="0" y="0"/>
+          <a:ext cx="0" cy="0"/>
+          <a:chOff x="0" y="0"/>
+          <a:chExt cx="0" cy="0"/>
+        </a:xfrm>
+      </p:grpSpPr>
+      <p:sp>
+        <p:nvSpPr>
+          <p:cNvPr id="2" name="Title 1">
+            <a:extLst>
+              <a:ext uri="{FF2B5EF4-FFF2-40B4-BE49-F238E27FC236}">
+                <a16:creationId xmlns:a16="http://schemas.microsoft.com/office/drawing/2014/main" id="{36FE57C6-44AD-626B-2631-6CB31DEFE748}"/>
+              </a:ext>
+            </a:extLst>
+          </p:cNvPr>
+          <p:cNvSpPr>
+            <a:spLocks noGrp="1"/>
+          </p:cNvSpPr>
+          <p:nvPr>
+            <p:ph type="title"/>
+          </p:nvPr>
+        </p:nvSpPr>
+        <p:spPr/>
+        <p:txBody>
+          <a:bodyPr/>
+          <a:lstStyle/>
+          <a:p>
+            <a:endParaRPr lang="en-US"/>
+          </a:p>
+        </p:txBody>
+      </p:sp>
+      <p:sp>
+        <p:nvSpPr>
+          <p:cNvPr id="3" name="Content Placeholder 2">
+            <a:extLst>
+              <a:ext uri="{FF2B5EF4-FFF2-40B4-BE49-F238E27FC236}">
+                <a16:creationId xmlns:a16="http://schemas.microsoft.com/office/drawing/2014/main" id="{8EC00978-6D45-9EF4-2B2B-354000EBA90C}"/>
+              </a:ext>
+            </a:extLst>
+          </p:cNvPr>
+          <p:cNvSpPr>
+            <a:spLocks noGrp="1"/>
+          </p:cNvSpPr>
+          <p:nvPr>
+            <p:ph idx="1"/>
+          </p:nvPr>
+        </p:nvSpPr>
+        <p:spPr/>
+        <p:txBody>
+          <a:bodyPr/>
+          <a:lstStyle/>
+          <a:p>
+            <a:endParaRPr lang="en-US"/>
+          </a:p>
+        </p:txBody>
+      </p:sp>
+      <p:pic>
+        <p:nvPicPr>
+          <p:cNvPr id="5" name="Picture 4">
+            <a:extLst>
+              <a:ext uri="{FF2B5EF4-FFF2-40B4-BE49-F238E27FC236}">
+                <a16:creationId xmlns:a16="http://schemas.microsoft.com/office/drawing/2014/main" id="{DCBC09C1-A0AA-8101-A7C6-267B8BABED07}"/>
+              </a:ext>
+            </a:extLst>
+          </p:cNvPr>
+          <p:cNvPicPr>
+            <a:picLocks noChangeAspect="1"/>
+          </p:cNvPicPr>
+          <p:nvPr/>
+        </p:nvPicPr>
+        <p:blipFill>
+          <a:blip r:embed="rId2"/>
+          <a:stretch>
+            <a:fillRect/>
+          </a:stretch>
+        </p:blipFill>
+        <p:spPr>
+          <a:xfrm>
+            <a:off x="0" y="0"/>
+            <a:ext cx="12192000" cy="6858000"/>
+          </a:xfrm>
+          <a:prstGeom prst="rect">
+            <a:avLst/>
+          </a:prstGeom>
+        </p:spPr>
+      </p:pic>
+    </p:spTree>
+    <p:extLst>
+      <p:ext uri="{BB962C8B-B14F-4D97-AF65-F5344CB8AC3E}">
+        <p14:creationId xmlns:p14="http://schemas.microsoft.com/office/powerpoint/2010/main" val="912883458"/>
+      </p:ext>
+    </p:extLst>
+  </p:cSld>
+  <p:clrMapOvr>
+    <a:masterClrMapping/>
+  </p:clrMapOvr>
+</p:sld>
+</file>
+
+<file path=ppt/slides/slide9.xml><?xml version="1.0" encoding="utf-8"?>
+<p:sld xmlns:a="http://schemas.openxmlformats.org/drawingml/2006/main" xmlns:r="http://schemas.openxmlformats.org/officeDocument/2006/relationships" xmlns:p="http://schemas.openxmlformats.org/presentationml/2006/main">
+  <p:cSld>
+    <p:spTree>
+      <p:nvGrpSpPr>
+        <p:cNvPr id="1" name=""/>
+        <p:cNvGrpSpPr/>
+        <p:nvPr/>
+      </p:nvGrpSpPr>
+      <p:grpSpPr>
+        <a:xfrm>
+          <a:off x="0" y="0"/>
+          <a:ext cx="0" cy="0"/>
+          <a:chOff x="0" y="0"/>
+          <a:chExt cx="0" cy="0"/>
+        </a:xfrm>
+      </p:grpSpPr>
+      <p:sp>
+        <p:nvSpPr>
+          <p:cNvPr id="2" name="Title 1">
+            <a:extLst>
+              <a:ext uri="{FF2B5EF4-FFF2-40B4-BE49-F238E27FC236}">
+                <a16:creationId xmlns:a16="http://schemas.microsoft.com/office/drawing/2014/main" id="{AABD88EA-8CD8-5C2D-CDA3-0DD8ED054F4C}"/>
+              </a:ext>
+            </a:extLst>
+          </p:cNvPr>
+          <p:cNvSpPr>
+            <a:spLocks noGrp="1"/>
+          </p:cNvSpPr>
+          <p:nvPr>
+            <p:ph type="title"/>
+          </p:nvPr>
+        </p:nvSpPr>
+        <p:spPr/>
+        <p:txBody>
+          <a:bodyPr/>
+          <a:lstStyle/>
+          <a:p>
+            <a:endParaRPr lang="en-US"/>
+          </a:p>
+        </p:txBody>
+      </p:sp>
+      <p:sp>
+        <p:nvSpPr>
+          <p:cNvPr id="3" name="Content Placeholder 2">
+            <a:extLst>
+              <a:ext uri="{FF2B5EF4-FFF2-40B4-BE49-F238E27FC236}">
+                <a16:creationId xmlns:a16="http://schemas.microsoft.com/office/drawing/2014/main" id="{4927B830-98D9-A056-1425-A353769B9D7F}"/>
+              </a:ext>
+            </a:extLst>
+          </p:cNvPr>
+          <p:cNvSpPr>
+            <a:spLocks noGrp="1"/>
+          </p:cNvSpPr>
+          <p:nvPr>
+            <p:ph idx="1"/>
+          </p:nvPr>
+        </p:nvSpPr>
+        <p:spPr/>
+        <p:txBody>
+          <a:bodyPr/>
+          <a:lstStyle/>
+          <a:p>
+            <a:endParaRPr lang="en-US"/>
+          </a:p>
+        </p:txBody>
+      </p:sp>
+      <p:pic>
+        <p:nvPicPr>
+          <p:cNvPr id="5" name="Picture 4">
+            <a:extLst>
+              <a:ext uri="{FF2B5EF4-FFF2-40B4-BE49-F238E27FC236}">
+                <a16:creationId xmlns:a16="http://schemas.microsoft.com/office/drawing/2014/main" id="{6CF1C57D-8567-30C9-FBC3-8C866F9C3E71}"/>
+              </a:ext>
+            </a:extLst>
+          </p:cNvPr>
+          <p:cNvPicPr>
+            <a:picLocks noChangeAspect="1"/>
+          </p:cNvPicPr>
+          <p:nvPr/>
+        </p:nvPicPr>
+        <p:blipFill>
+          <a:blip r:embed="rId2"/>
+          <a:stretch>
+            <a:fillRect/>
+          </a:stretch>
+        </p:blipFill>
+        <p:spPr>
+          <a:xfrm>
+            <a:off x="0" y="0"/>
+            <a:ext cx="12192000" cy="6858000"/>
+          </a:xfrm>
+          <a:prstGeom prst="rect">
+            <a:avLst/>
+          </a:prstGeom>
+        </p:spPr>
+      </p:pic>
+    </p:spTree>
+    <p:extLst>
+      <p:ext uri="{BB962C8B-B14F-4D97-AF65-F5344CB8AC3E}">
+        <p14:creationId xmlns:p14="http://schemas.microsoft.com/office/powerpoint/2010/main" val="2984704819"/>
+      </p:ext>
+    </p:extLst>
+  </p:cSld>
+  <p:clrMapOvr>
+    <a:masterClrMapping/>
+  </p:clrMapOvr>
+</p:sld>
+</file>
+
 <file path=ppt/theme/theme1.xml><?xml version="1.0" encoding="utf-8"?>
 <a:theme xmlns:a="http://schemas.openxmlformats.org/drawingml/2006/main" name="Office Theme">
   <a:themeElements>

--- a/Working with SQL/Math Function.pptx
+++ b/Working with SQL/Math Function.pptx
@@ -14,6 +14,11 @@
     <p:sldId id="262" r:id="rId8"/>
     <p:sldId id="263" r:id="rId9"/>
     <p:sldId id="264" r:id="rId10"/>
+    <p:sldId id="265" r:id="rId11"/>
+    <p:sldId id="266" r:id="rId12"/>
+    <p:sldId id="267" r:id="rId13"/>
+    <p:sldId id="268" r:id="rId14"/>
+    <p:sldId id="269" r:id="rId15"/>
   </p:sldIdLst>
   <p:sldSz cx="12192000" cy="6858000"/>
   <p:notesSz cx="6858000" cy="9144000"/>
@@ -3418,6 +3423,586 @@
     <p:extLst>
       <p:ext uri="{BB962C8B-B14F-4D97-AF65-F5344CB8AC3E}">
         <p14:creationId xmlns:p14="http://schemas.microsoft.com/office/powerpoint/2010/main" val="4172029492"/>
+      </p:ext>
+    </p:extLst>
+  </p:cSld>
+  <p:clrMapOvr>
+    <a:masterClrMapping/>
+  </p:clrMapOvr>
+</p:sld>
+</file>
+
+<file path=ppt/slides/slide10.xml><?xml version="1.0" encoding="utf-8"?>
+<p:sld xmlns:a="http://schemas.openxmlformats.org/drawingml/2006/main" xmlns:r="http://schemas.openxmlformats.org/officeDocument/2006/relationships" xmlns:p="http://schemas.openxmlformats.org/presentationml/2006/main">
+  <p:cSld>
+    <p:spTree>
+      <p:nvGrpSpPr>
+        <p:cNvPr id="1" name=""/>
+        <p:cNvGrpSpPr/>
+        <p:nvPr/>
+      </p:nvGrpSpPr>
+      <p:grpSpPr>
+        <a:xfrm>
+          <a:off x="0" y="0"/>
+          <a:ext cx="0" cy="0"/>
+          <a:chOff x="0" y="0"/>
+          <a:chExt cx="0" cy="0"/>
+        </a:xfrm>
+      </p:grpSpPr>
+      <p:sp>
+        <p:nvSpPr>
+          <p:cNvPr id="2" name="Title 1">
+            <a:extLst>
+              <a:ext uri="{FF2B5EF4-FFF2-40B4-BE49-F238E27FC236}">
+                <a16:creationId xmlns:a16="http://schemas.microsoft.com/office/drawing/2014/main" id="{13B002B7-D615-5291-BBF4-72FE13F8B270}"/>
+              </a:ext>
+            </a:extLst>
+          </p:cNvPr>
+          <p:cNvSpPr>
+            <a:spLocks noGrp="1"/>
+          </p:cNvSpPr>
+          <p:nvPr>
+            <p:ph type="title"/>
+          </p:nvPr>
+        </p:nvSpPr>
+        <p:spPr/>
+        <p:txBody>
+          <a:bodyPr/>
+          <a:lstStyle/>
+          <a:p>
+            <a:endParaRPr lang="en-US"/>
+          </a:p>
+        </p:txBody>
+      </p:sp>
+      <p:sp>
+        <p:nvSpPr>
+          <p:cNvPr id="3" name="Content Placeholder 2">
+            <a:extLst>
+              <a:ext uri="{FF2B5EF4-FFF2-40B4-BE49-F238E27FC236}">
+                <a16:creationId xmlns:a16="http://schemas.microsoft.com/office/drawing/2014/main" id="{AA0BDA48-98FE-1404-34E0-7CC658D46431}"/>
+              </a:ext>
+            </a:extLst>
+          </p:cNvPr>
+          <p:cNvSpPr>
+            <a:spLocks noGrp="1"/>
+          </p:cNvSpPr>
+          <p:nvPr>
+            <p:ph idx="1"/>
+          </p:nvPr>
+        </p:nvSpPr>
+        <p:spPr/>
+        <p:txBody>
+          <a:bodyPr/>
+          <a:lstStyle/>
+          <a:p>
+            <a:endParaRPr lang="en-US"/>
+          </a:p>
+        </p:txBody>
+      </p:sp>
+      <p:pic>
+        <p:nvPicPr>
+          <p:cNvPr id="5" name="Picture 4">
+            <a:extLst>
+              <a:ext uri="{FF2B5EF4-FFF2-40B4-BE49-F238E27FC236}">
+                <a16:creationId xmlns:a16="http://schemas.microsoft.com/office/drawing/2014/main" id="{48AB6F99-09F3-951C-E679-29ED629937E0}"/>
+              </a:ext>
+            </a:extLst>
+          </p:cNvPr>
+          <p:cNvPicPr>
+            <a:picLocks noChangeAspect="1"/>
+          </p:cNvPicPr>
+          <p:nvPr/>
+        </p:nvPicPr>
+        <p:blipFill>
+          <a:blip r:embed="rId2"/>
+          <a:stretch>
+            <a:fillRect/>
+          </a:stretch>
+        </p:blipFill>
+        <p:spPr>
+          <a:xfrm>
+            <a:off x="0" y="0"/>
+            <a:ext cx="12192000" cy="6858000"/>
+          </a:xfrm>
+          <a:prstGeom prst="rect">
+            <a:avLst/>
+          </a:prstGeom>
+        </p:spPr>
+      </p:pic>
+    </p:spTree>
+    <p:extLst>
+      <p:ext uri="{BB962C8B-B14F-4D97-AF65-F5344CB8AC3E}">
+        <p14:creationId xmlns:p14="http://schemas.microsoft.com/office/powerpoint/2010/main" val="469415337"/>
+      </p:ext>
+    </p:extLst>
+  </p:cSld>
+  <p:clrMapOvr>
+    <a:masterClrMapping/>
+  </p:clrMapOvr>
+</p:sld>
+</file>
+
+<file path=ppt/slides/slide11.xml><?xml version="1.0" encoding="utf-8"?>
+<p:sld xmlns:a="http://schemas.openxmlformats.org/drawingml/2006/main" xmlns:r="http://schemas.openxmlformats.org/officeDocument/2006/relationships" xmlns:p="http://schemas.openxmlformats.org/presentationml/2006/main">
+  <p:cSld>
+    <p:spTree>
+      <p:nvGrpSpPr>
+        <p:cNvPr id="1" name=""/>
+        <p:cNvGrpSpPr/>
+        <p:nvPr/>
+      </p:nvGrpSpPr>
+      <p:grpSpPr>
+        <a:xfrm>
+          <a:off x="0" y="0"/>
+          <a:ext cx="0" cy="0"/>
+          <a:chOff x="0" y="0"/>
+          <a:chExt cx="0" cy="0"/>
+        </a:xfrm>
+      </p:grpSpPr>
+      <p:sp>
+        <p:nvSpPr>
+          <p:cNvPr id="2" name="Title 1">
+            <a:extLst>
+              <a:ext uri="{FF2B5EF4-FFF2-40B4-BE49-F238E27FC236}">
+                <a16:creationId xmlns:a16="http://schemas.microsoft.com/office/drawing/2014/main" id="{F4564C73-A8DB-7425-945F-8FC4073EC1BF}"/>
+              </a:ext>
+            </a:extLst>
+          </p:cNvPr>
+          <p:cNvSpPr>
+            <a:spLocks noGrp="1"/>
+          </p:cNvSpPr>
+          <p:nvPr>
+            <p:ph type="title"/>
+          </p:nvPr>
+        </p:nvSpPr>
+        <p:spPr/>
+        <p:txBody>
+          <a:bodyPr/>
+          <a:lstStyle/>
+          <a:p>
+            <a:endParaRPr lang="en-US"/>
+          </a:p>
+        </p:txBody>
+      </p:sp>
+      <p:sp>
+        <p:nvSpPr>
+          <p:cNvPr id="3" name="Content Placeholder 2">
+            <a:extLst>
+              <a:ext uri="{FF2B5EF4-FFF2-40B4-BE49-F238E27FC236}">
+                <a16:creationId xmlns:a16="http://schemas.microsoft.com/office/drawing/2014/main" id="{7408B55B-671F-CB68-EB83-A0E4E405E8D3}"/>
+              </a:ext>
+            </a:extLst>
+          </p:cNvPr>
+          <p:cNvSpPr>
+            <a:spLocks noGrp="1"/>
+          </p:cNvSpPr>
+          <p:nvPr>
+            <p:ph idx="1"/>
+          </p:nvPr>
+        </p:nvSpPr>
+        <p:spPr/>
+        <p:txBody>
+          <a:bodyPr/>
+          <a:lstStyle/>
+          <a:p>
+            <a:endParaRPr lang="en-US"/>
+          </a:p>
+        </p:txBody>
+      </p:sp>
+      <p:pic>
+        <p:nvPicPr>
+          <p:cNvPr id="5" name="Picture 4">
+            <a:extLst>
+              <a:ext uri="{FF2B5EF4-FFF2-40B4-BE49-F238E27FC236}">
+                <a16:creationId xmlns:a16="http://schemas.microsoft.com/office/drawing/2014/main" id="{B7E432D6-58FB-DEAB-D81D-1F7D1023463A}"/>
+              </a:ext>
+            </a:extLst>
+          </p:cNvPr>
+          <p:cNvPicPr>
+            <a:picLocks noChangeAspect="1"/>
+          </p:cNvPicPr>
+          <p:nvPr/>
+        </p:nvPicPr>
+        <p:blipFill>
+          <a:blip r:embed="rId2"/>
+          <a:stretch>
+            <a:fillRect/>
+          </a:stretch>
+        </p:blipFill>
+        <p:spPr>
+          <a:xfrm>
+            <a:off x="0" y="0"/>
+            <a:ext cx="12192000" cy="6858000"/>
+          </a:xfrm>
+          <a:prstGeom prst="rect">
+            <a:avLst/>
+          </a:prstGeom>
+        </p:spPr>
+      </p:pic>
+    </p:spTree>
+    <p:extLst>
+      <p:ext uri="{BB962C8B-B14F-4D97-AF65-F5344CB8AC3E}">
+        <p14:creationId xmlns:p14="http://schemas.microsoft.com/office/powerpoint/2010/main" val="1644782972"/>
+      </p:ext>
+    </p:extLst>
+  </p:cSld>
+  <p:clrMapOvr>
+    <a:masterClrMapping/>
+  </p:clrMapOvr>
+</p:sld>
+</file>
+
+<file path=ppt/slides/slide12.xml><?xml version="1.0" encoding="utf-8"?>
+<p:sld xmlns:a="http://schemas.openxmlformats.org/drawingml/2006/main" xmlns:r="http://schemas.openxmlformats.org/officeDocument/2006/relationships" xmlns:p="http://schemas.openxmlformats.org/presentationml/2006/main">
+  <p:cSld>
+    <p:spTree>
+      <p:nvGrpSpPr>
+        <p:cNvPr id="1" name=""/>
+        <p:cNvGrpSpPr/>
+        <p:nvPr/>
+      </p:nvGrpSpPr>
+      <p:grpSpPr>
+        <a:xfrm>
+          <a:off x="0" y="0"/>
+          <a:ext cx="0" cy="0"/>
+          <a:chOff x="0" y="0"/>
+          <a:chExt cx="0" cy="0"/>
+        </a:xfrm>
+      </p:grpSpPr>
+      <p:sp>
+        <p:nvSpPr>
+          <p:cNvPr id="2" name="Title 1">
+            <a:extLst>
+              <a:ext uri="{FF2B5EF4-FFF2-40B4-BE49-F238E27FC236}">
+                <a16:creationId xmlns:a16="http://schemas.microsoft.com/office/drawing/2014/main" id="{1F044F5D-1A16-43D8-6DB2-E72872856D8C}"/>
+              </a:ext>
+            </a:extLst>
+          </p:cNvPr>
+          <p:cNvSpPr>
+            <a:spLocks noGrp="1"/>
+          </p:cNvSpPr>
+          <p:nvPr>
+            <p:ph type="title"/>
+          </p:nvPr>
+        </p:nvSpPr>
+        <p:spPr/>
+        <p:txBody>
+          <a:bodyPr/>
+          <a:lstStyle/>
+          <a:p>
+            <a:endParaRPr lang="en-US"/>
+          </a:p>
+        </p:txBody>
+      </p:sp>
+      <p:sp>
+        <p:nvSpPr>
+          <p:cNvPr id="3" name="Content Placeholder 2">
+            <a:extLst>
+              <a:ext uri="{FF2B5EF4-FFF2-40B4-BE49-F238E27FC236}">
+                <a16:creationId xmlns:a16="http://schemas.microsoft.com/office/drawing/2014/main" id="{E844531F-B1BE-78FC-0C1D-2557A3CE41E3}"/>
+              </a:ext>
+            </a:extLst>
+          </p:cNvPr>
+          <p:cNvSpPr>
+            <a:spLocks noGrp="1"/>
+          </p:cNvSpPr>
+          <p:nvPr>
+            <p:ph idx="1"/>
+          </p:nvPr>
+        </p:nvSpPr>
+        <p:spPr/>
+        <p:txBody>
+          <a:bodyPr/>
+          <a:lstStyle/>
+          <a:p>
+            <a:endParaRPr lang="en-US"/>
+          </a:p>
+        </p:txBody>
+      </p:sp>
+      <p:pic>
+        <p:nvPicPr>
+          <p:cNvPr id="5" name="Picture 4">
+            <a:extLst>
+              <a:ext uri="{FF2B5EF4-FFF2-40B4-BE49-F238E27FC236}">
+                <a16:creationId xmlns:a16="http://schemas.microsoft.com/office/drawing/2014/main" id="{C23BE363-2C04-E46B-1EF6-D5D8B83ED518}"/>
+              </a:ext>
+            </a:extLst>
+          </p:cNvPr>
+          <p:cNvPicPr>
+            <a:picLocks noChangeAspect="1"/>
+          </p:cNvPicPr>
+          <p:nvPr/>
+        </p:nvPicPr>
+        <p:blipFill>
+          <a:blip r:embed="rId2"/>
+          <a:stretch>
+            <a:fillRect/>
+          </a:stretch>
+        </p:blipFill>
+        <p:spPr>
+          <a:xfrm>
+            <a:off x="0" y="0"/>
+            <a:ext cx="12192000" cy="6858000"/>
+          </a:xfrm>
+          <a:prstGeom prst="rect">
+            <a:avLst/>
+          </a:prstGeom>
+        </p:spPr>
+      </p:pic>
+    </p:spTree>
+    <p:extLst>
+      <p:ext uri="{BB962C8B-B14F-4D97-AF65-F5344CB8AC3E}">
+        <p14:creationId xmlns:p14="http://schemas.microsoft.com/office/powerpoint/2010/main" val="2315431462"/>
+      </p:ext>
+    </p:extLst>
+  </p:cSld>
+  <p:clrMapOvr>
+    <a:masterClrMapping/>
+  </p:clrMapOvr>
+</p:sld>
+</file>
+
+<file path=ppt/slides/slide13.xml><?xml version="1.0" encoding="utf-8"?>
+<p:sld xmlns:a="http://schemas.openxmlformats.org/drawingml/2006/main" xmlns:r="http://schemas.openxmlformats.org/officeDocument/2006/relationships" xmlns:p="http://schemas.openxmlformats.org/presentationml/2006/main">
+  <p:cSld>
+    <p:spTree>
+      <p:nvGrpSpPr>
+        <p:cNvPr id="1" name=""/>
+        <p:cNvGrpSpPr/>
+        <p:nvPr/>
+      </p:nvGrpSpPr>
+      <p:grpSpPr>
+        <a:xfrm>
+          <a:off x="0" y="0"/>
+          <a:ext cx="0" cy="0"/>
+          <a:chOff x="0" y="0"/>
+          <a:chExt cx="0" cy="0"/>
+        </a:xfrm>
+      </p:grpSpPr>
+      <p:sp>
+        <p:nvSpPr>
+          <p:cNvPr id="2" name="Title 1">
+            <a:extLst>
+              <a:ext uri="{FF2B5EF4-FFF2-40B4-BE49-F238E27FC236}">
+                <a16:creationId xmlns:a16="http://schemas.microsoft.com/office/drawing/2014/main" id="{0305888A-FADE-6E09-1C78-99145050DF2E}"/>
+              </a:ext>
+            </a:extLst>
+          </p:cNvPr>
+          <p:cNvSpPr>
+            <a:spLocks noGrp="1"/>
+          </p:cNvSpPr>
+          <p:nvPr>
+            <p:ph type="title"/>
+          </p:nvPr>
+        </p:nvSpPr>
+        <p:spPr/>
+        <p:txBody>
+          <a:bodyPr/>
+          <a:lstStyle/>
+          <a:p>
+            <a:endParaRPr lang="en-US"/>
+          </a:p>
+        </p:txBody>
+      </p:sp>
+      <p:sp>
+        <p:nvSpPr>
+          <p:cNvPr id="3" name="Content Placeholder 2">
+            <a:extLst>
+              <a:ext uri="{FF2B5EF4-FFF2-40B4-BE49-F238E27FC236}">
+                <a16:creationId xmlns:a16="http://schemas.microsoft.com/office/drawing/2014/main" id="{AA5E1632-270E-2D50-6D51-4CDAD684DBA2}"/>
+              </a:ext>
+            </a:extLst>
+          </p:cNvPr>
+          <p:cNvSpPr>
+            <a:spLocks noGrp="1"/>
+          </p:cNvSpPr>
+          <p:nvPr>
+            <p:ph idx="1"/>
+          </p:nvPr>
+        </p:nvSpPr>
+        <p:spPr/>
+        <p:txBody>
+          <a:bodyPr/>
+          <a:lstStyle/>
+          <a:p>
+            <a:endParaRPr lang="en-US"/>
+          </a:p>
+        </p:txBody>
+      </p:sp>
+      <p:pic>
+        <p:nvPicPr>
+          <p:cNvPr id="5" name="Picture 4">
+            <a:extLst>
+              <a:ext uri="{FF2B5EF4-FFF2-40B4-BE49-F238E27FC236}">
+                <a16:creationId xmlns:a16="http://schemas.microsoft.com/office/drawing/2014/main" id="{5C619DA9-93CE-D014-3127-4CC0C1F5546A}"/>
+              </a:ext>
+            </a:extLst>
+          </p:cNvPr>
+          <p:cNvPicPr>
+            <a:picLocks noChangeAspect="1"/>
+          </p:cNvPicPr>
+          <p:nvPr/>
+        </p:nvPicPr>
+        <p:blipFill>
+          <a:blip r:embed="rId2"/>
+          <a:stretch>
+            <a:fillRect/>
+          </a:stretch>
+        </p:blipFill>
+        <p:spPr>
+          <a:xfrm>
+            <a:off x="0" y="0"/>
+            <a:ext cx="12192000" cy="6858000"/>
+          </a:xfrm>
+          <a:prstGeom prst="rect">
+            <a:avLst/>
+          </a:prstGeom>
+        </p:spPr>
+      </p:pic>
+    </p:spTree>
+    <p:extLst>
+      <p:ext uri="{BB962C8B-B14F-4D97-AF65-F5344CB8AC3E}">
+        <p14:creationId xmlns:p14="http://schemas.microsoft.com/office/powerpoint/2010/main" val="2815954567"/>
+      </p:ext>
+    </p:extLst>
+  </p:cSld>
+  <p:clrMapOvr>
+    <a:masterClrMapping/>
+  </p:clrMapOvr>
+</p:sld>
+</file>
+
+<file path=ppt/slides/slide14.xml><?xml version="1.0" encoding="utf-8"?>
+<p:sld xmlns:a="http://schemas.openxmlformats.org/drawingml/2006/main" xmlns:r="http://schemas.openxmlformats.org/officeDocument/2006/relationships" xmlns:p="http://schemas.openxmlformats.org/presentationml/2006/main">
+  <p:cSld>
+    <p:spTree>
+      <p:nvGrpSpPr>
+        <p:cNvPr id="1" name=""/>
+        <p:cNvGrpSpPr/>
+        <p:nvPr/>
+      </p:nvGrpSpPr>
+      <p:grpSpPr>
+        <a:xfrm>
+          <a:off x="0" y="0"/>
+          <a:ext cx="0" cy="0"/>
+          <a:chOff x="0" y="0"/>
+          <a:chExt cx="0" cy="0"/>
+        </a:xfrm>
+      </p:grpSpPr>
+      <p:sp>
+        <p:nvSpPr>
+          <p:cNvPr id="2" name="Title 1">
+            <a:extLst>
+              <a:ext uri="{FF2B5EF4-FFF2-40B4-BE49-F238E27FC236}">
+                <a16:creationId xmlns:a16="http://schemas.microsoft.com/office/drawing/2014/main" id="{56B432B2-7802-B6D7-0477-C475BF82DFCC}"/>
+              </a:ext>
+            </a:extLst>
+          </p:cNvPr>
+          <p:cNvSpPr>
+            <a:spLocks noGrp="1"/>
+          </p:cNvSpPr>
+          <p:nvPr>
+            <p:ph type="title"/>
+          </p:nvPr>
+        </p:nvSpPr>
+        <p:spPr/>
+        <p:txBody>
+          <a:bodyPr/>
+          <a:lstStyle/>
+          <a:p>
+            <a:endParaRPr lang="en-US"/>
+          </a:p>
+        </p:txBody>
+      </p:sp>
+      <p:sp>
+        <p:nvSpPr>
+          <p:cNvPr id="3" name="Content Placeholder 2">
+            <a:extLst>
+              <a:ext uri="{FF2B5EF4-FFF2-40B4-BE49-F238E27FC236}">
+                <a16:creationId xmlns:a16="http://schemas.microsoft.com/office/drawing/2014/main" id="{A79B7137-E92A-EDFD-EFE4-EEB025F857AB}"/>
+              </a:ext>
+            </a:extLst>
+          </p:cNvPr>
+          <p:cNvSpPr>
+            <a:spLocks noGrp="1"/>
+          </p:cNvSpPr>
+          <p:nvPr>
+            <p:ph idx="1"/>
+          </p:nvPr>
+        </p:nvSpPr>
+        <p:spPr/>
+        <p:txBody>
+          <a:bodyPr/>
+          <a:lstStyle/>
+          <a:p>
+            <a:endParaRPr lang="en-US"/>
+          </a:p>
+        </p:txBody>
+      </p:sp>
+      <p:pic>
+        <p:nvPicPr>
+          <p:cNvPr id="5" name="Picture 4">
+            <a:extLst>
+              <a:ext uri="{FF2B5EF4-FFF2-40B4-BE49-F238E27FC236}">
+                <a16:creationId xmlns:a16="http://schemas.microsoft.com/office/drawing/2014/main" id="{C9846931-19C2-9D56-C8A8-CF99411FD1EF}"/>
+              </a:ext>
+            </a:extLst>
+          </p:cNvPr>
+          <p:cNvPicPr>
+            <a:picLocks noChangeAspect="1"/>
+          </p:cNvPicPr>
+          <p:nvPr/>
+        </p:nvPicPr>
+        <p:blipFill>
+          <a:blip r:embed="rId2"/>
+          <a:stretch>
+            <a:fillRect/>
+          </a:stretch>
+        </p:blipFill>
+        <p:spPr>
+          <a:xfrm>
+            <a:off x="0" y="0"/>
+            <a:ext cx="12192000" cy="6858000"/>
+          </a:xfrm>
+          <a:prstGeom prst="rect">
+            <a:avLst/>
+          </a:prstGeom>
+        </p:spPr>
+      </p:pic>
+      <p:pic>
+        <p:nvPicPr>
+          <p:cNvPr id="7" name="Picture 6">
+            <a:extLst>
+              <a:ext uri="{FF2B5EF4-FFF2-40B4-BE49-F238E27FC236}">
+                <a16:creationId xmlns:a16="http://schemas.microsoft.com/office/drawing/2014/main" id="{D035A762-8A22-C156-E004-872025DB280A}"/>
+              </a:ext>
+            </a:extLst>
+          </p:cNvPr>
+          <p:cNvPicPr>
+            <a:picLocks noChangeAspect="1"/>
+          </p:cNvPicPr>
+          <p:nvPr/>
+        </p:nvPicPr>
+        <p:blipFill>
+          <a:blip r:embed="rId3"/>
+          <a:stretch>
+            <a:fillRect/>
+          </a:stretch>
+        </p:blipFill>
+        <p:spPr>
+          <a:xfrm>
+            <a:off x="0" y="0"/>
+            <a:ext cx="12192000" cy="6858000"/>
+          </a:xfrm>
+          <a:prstGeom prst="rect">
+            <a:avLst/>
+          </a:prstGeom>
+        </p:spPr>
+      </p:pic>
+    </p:spTree>
+    <p:extLst>
+      <p:ext uri="{BB962C8B-B14F-4D97-AF65-F5344CB8AC3E}">
+        <p14:creationId xmlns:p14="http://schemas.microsoft.com/office/powerpoint/2010/main" val="3864040648"/>
       </p:ext>
     </p:extLst>
   </p:cSld>
